--- a/documents/sprint-docs/AustinSprint4.pptx
+++ b/documents/sprint-docs/AustinSprint4.pptx
@@ -125,6 +125,7 @@
   <p1510:revLst>
     <p1510:client id="{09574A7B-E54C-8067-1F48-E5357AB728C9}" v="77" dt="2022-09-28T23:24:01.458"/>
     <p1510:client id="{0ECD7429-CCEB-4586-B397-5E7CB5BB2EEE}" v="55" dt="2022-09-28T05:11:45.158"/>
+    <p1510:client id="{1E8A0E22-7DAD-EEA3-EC98-44267CDC178D}" v="115" dt="2022-10-21T01:45:50.461"/>
   </p1510:revLst>
 </p1510:revInfo>
 </file>
@@ -307,6 +308,30 @@
     </pc:docChg>
   </pc:docChgLst>
   <pc:docChgLst>
+    <pc:chgData name="Austin Bray Champtaloup" userId="S::abraychamptaloup@stu.kerikerihigh.ac.nz::ef9dffb8-3a09-47fa-9d41-5b9c899fb4c4" providerId="AD" clId="Web-{1E8A0E22-7DAD-EEA3-EC98-44267CDC178D}"/>
+    <pc:docChg chg="modSld">
+      <pc:chgData name="Austin Bray Champtaloup" userId="S::abraychamptaloup@stu.kerikerihigh.ac.nz::ef9dffb8-3a09-47fa-9d41-5b9c899fb4c4" providerId="AD" clId="Web-{1E8A0E22-7DAD-EEA3-EC98-44267CDC178D}" dt="2022-10-21T01:45:50.461" v="114" actId="20577"/>
+      <pc:docMkLst>
+        <pc:docMk/>
+      </pc:docMkLst>
+      <pc:sldChg chg="modSp">
+        <pc:chgData name="Austin Bray Champtaloup" userId="S::abraychamptaloup@stu.kerikerihigh.ac.nz::ef9dffb8-3a09-47fa-9d41-5b9c899fb4c4" providerId="AD" clId="Web-{1E8A0E22-7DAD-EEA3-EC98-44267CDC178D}" dt="2022-10-21T01:45:50.461" v="114" actId="20577"/>
+        <pc:sldMkLst>
+          <pc:docMk/>
+          <pc:sldMk cId="576181598" sldId="260"/>
+        </pc:sldMkLst>
+        <pc:spChg chg="mod">
+          <ac:chgData name="Austin Bray Champtaloup" userId="S::abraychamptaloup@stu.kerikerihigh.ac.nz::ef9dffb8-3a09-47fa-9d41-5b9c899fb4c4" providerId="AD" clId="Web-{1E8A0E22-7DAD-EEA3-EC98-44267CDC178D}" dt="2022-10-21T01:45:50.461" v="114" actId="20577"/>
+          <ac:spMkLst>
+            <pc:docMk/>
+            <pc:sldMk cId="576181598" sldId="260"/>
+            <ac:spMk id="3" creationId="{5056AA62-CDA3-4510-AF9E-3017CD132DB6}"/>
+          </ac:spMkLst>
+        </pc:spChg>
+      </pc:sldChg>
+    </pc:docChg>
+  </pc:docChgLst>
+  <pc:docChgLst>
     <pc:chgData name="Austin Bray Champtaloup" userId="S::abraychamptaloup@stu.kerikerihigh.ac.nz::ef9dffb8-3a09-47fa-9d41-5b9c899fb4c4" providerId="AD" clId="Web-{09574A7B-E54C-8067-1F48-E5357AB728C9}"/>
     <pc:docChg chg="modSld">
       <pc:chgData name="Austin Bray Champtaloup" userId="S::abraychamptaloup@stu.kerikerihigh.ac.nz::ef9dffb8-3a09-47fa-9d41-5b9c899fb4c4" providerId="AD" clId="Web-{09574A7B-E54C-8067-1F48-E5357AB728C9}" dt="2022-09-28T23:24:01.161" v="75" actId="20577"/>
@@ -464,7 +489,7 @@
           <a:p>
             <a:fld id="{846CE7D5-CF57-46EF-B807-FDD0502418D4}" type="datetimeFigureOut">
               <a:rPr lang="en-US" smtClean="0"/>
-              <a:t>9/28/2022</a:t>
+              <a:t>10/20/2022</a:t>
             </a:fld>
             <a:endParaRPr lang="en-US"/>
           </a:p>
@@ -634,7 +659,7 @@
           <a:p>
             <a:fld id="{846CE7D5-CF57-46EF-B807-FDD0502418D4}" type="datetimeFigureOut">
               <a:rPr lang="en-US" smtClean="0"/>
-              <a:t>9/28/2022</a:t>
+              <a:t>10/20/2022</a:t>
             </a:fld>
             <a:endParaRPr lang="en-US"/>
           </a:p>
@@ -814,7 +839,7 @@
           <a:p>
             <a:fld id="{846CE7D5-CF57-46EF-B807-FDD0502418D4}" type="datetimeFigureOut">
               <a:rPr lang="en-US" smtClean="0"/>
-              <a:t>9/28/2022</a:t>
+              <a:t>10/20/2022</a:t>
             </a:fld>
             <a:endParaRPr lang="en-US"/>
           </a:p>
@@ -1024,7 +1049,7 @@
           <a:p>
             <a:fld id="{E08466A4-FDA0-4AFB-B05A-C40CE52B08F9}" type="datetimeFigureOut">
               <a:rPr lang="en-NZ" smtClean="0"/>
-              <a:t>28/09/2022</a:t>
+              <a:t>20/10/2022</a:t>
             </a:fld>
             <a:endParaRPr lang="en-NZ"/>
           </a:p>
@@ -1224,7 +1249,7 @@
           <a:p>
             <a:fld id="{E08466A4-FDA0-4AFB-B05A-C40CE52B08F9}" type="datetimeFigureOut">
               <a:rPr lang="en-NZ" smtClean="0"/>
-              <a:t>28/09/2022</a:t>
+              <a:t>20/10/2022</a:t>
             </a:fld>
             <a:endParaRPr lang="en-NZ"/>
           </a:p>
@@ -1500,7 +1525,7 @@
           <a:p>
             <a:fld id="{E08466A4-FDA0-4AFB-B05A-C40CE52B08F9}" type="datetimeFigureOut">
               <a:rPr lang="en-NZ" smtClean="0"/>
-              <a:t>28/09/2022</a:t>
+              <a:t>20/10/2022</a:t>
             </a:fld>
             <a:endParaRPr lang="en-NZ"/>
           </a:p>
@@ -1768,7 +1793,7 @@
           <a:p>
             <a:fld id="{E08466A4-FDA0-4AFB-B05A-C40CE52B08F9}" type="datetimeFigureOut">
               <a:rPr lang="en-NZ" smtClean="0"/>
-              <a:t>28/09/2022</a:t>
+              <a:t>20/10/2022</a:t>
             </a:fld>
             <a:endParaRPr lang="en-NZ"/>
           </a:p>
@@ -2183,7 +2208,7 @@
           <a:p>
             <a:fld id="{E08466A4-FDA0-4AFB-B05A-C40CE52B08F9}" type="datetimeFigureOut">
               <a:rPr lang="en-NZ" smtClean="0"/>
-              <a:t>28/09/2022</a:t>
+              <a:t>20/10/2022</a:t>
             </a:fld>
             <a:endParaRPr lang="en-NZ"/>
           </a:p>
@@ -2325,7 +2350,7 @@
           <a:p>
             <a:fld id="{E08466A4-FDA0-4AFB-B05A-C40CE52B08F9}" type="datetimeFigureOut">
               <a:rPr lang="en-NZ" smtClean="0"/>
-              <a:t>28/09/2022</a:t>
+              <a:t>20/10/2022</a:t>
             </a:fld>
             <a:endParaRPr lang="en-NZ"/>
           </a:p>
@@ -2438,7 +2463,7 @@
           <a:p>
             <a:fld id="{E08466A4-FDA0-4AFB-B05A-C40CE52B08F9}" type="datetimeFigureOut">
               <a:rPr lang="en-NZ" smtClean="0"/>
-              <a:t>28/09/2022</a:t>
+              <a:t>20/10/2022</a:t>
             </a:fld>
             <a:endParaRPr lang="en-NZ"/>
           </a:p>
@@ -2751,7 +2776,7 @@
           <a:p>
             <a:fld id="{E08466A4-FDA0-4AFB-B05A-C40CE52B08F9}" type="datetimeFigureOut">
               <a:rPr lang="en-NZ" smtClean="0"/>
-              <a:t>28/09/2022</a:t>
+              <a:t>20/10/2022</a:t>
             </a:fld>
             <a:endParaRPr lang="en-NZ"/>
           </a:p>
@@ -2933,7 +2958,7 @@
           <a:p>
             <a:fld id="{846CE7D5-CF57-46EF-B807-FDD0502418D4}" type="datetimeFigureOut">
               <a:rPr lang="en-US" smtClean="0"/>
-              <a:t>9/28/2022</a:t>
+              <a:t>10/20/2022</a:t>
             </a:fld>
             <a:endParaRPr lang="en-US"/>
           </a:p>
@@ -3210,7 +3235,7 @@
           <a:p>
             <a:fld id="{E08466A4-FDA0-4AFB-B05A-C40CE52B08F9}" type="datetimeFigureOut">
               <a:rPr lang="en-NZ" smtClean="0"/>
-              <a:t>28/09/2022</a:t>
+              <a:t>20/10/2022</a:t>
             </a:fld>
             <a:endParaRPr lang="en-NZ"/>
           </a:p>
@@ -3410,7 +3435,7 @@
           <a:p>
             <a:fld id="{E08466A4-FDA0-4AFB-B05A-C40CE52B08F9}" type="datetimeFigureOut">
               <a:rPr lang="en-NZ" smtClean="0"/>
-              <a:t>28/09/2022</a:t>
+              <a:t>20/10/2022</a:t>
             </a:fld>
             <a:endParaRPr lang="en-NZ"/>
           </a:p>
@@ -3620,7 +3645,7 @@
           <a:p>
             <a:fld id="{E08466A4-FDA0-4AFB-B05A-C40CE52B08F9}" type="datetimeFigureOut">
               <a:rPr lang="en-NZ" smtClean="0"/>
-              <a:t>28/09/2022</a:t>
+              <a:t>20/10/2022</a:t>
             </a:fld>
             <a:endParaRPr lang="en-NZ"/>
           </a:p>
@@ -3878,7 +3903,7 @@
           <a:p>
             <a:fld id="{846CE7D5-CF57-46EF-B807-FDD0502418D4}" type="datetimeFigureOut">
               <a:rPr lang="en-US" smtClean="0"/>
-              <a:t>9/28/2022</a:t>
+              <a:t>10/20/2022</a:t>
             </a:fld>
             <a:endParaRPr lang="en-US"/>
           </a:p>
@@ -4110,7 +4135,7 @@
           <a:p>
             <a:fld id="{846CE7D5-CF57-46EF-B807-FDD0502418D4}" type="datetimeFigureOut">
               <a:rPr lang="en-US" smtClean="0"/>
-              <a:t>9/28/2022</a:t>
+              <a:t>10/20/2022</a:t>
             </a:fld>
             <a:endParaRPr lang="en-US"/>
           </a:p>
@@ -4477,7 +4502,7 @@
           <a:p>
             <a:fld id="{846CE7D5-CF57-46EF-B807-FDD0502418D4}" type="datetimeFigureOut">
               <a:rPr lang="en-US" smtClean="0"/>
-              <a:t>9/28/2022</a:t>
+              <a:t>10/20/2022</a:t>
             </a:fld>
             <a:endParaRPr lang="en-US"/>
           </a:p>
@@ -4595,7 +4620,7 @@
           <a:p>
             <a:fld id="{846CE7D5-CF57-46EF-B807-FDD0502418D4}" type="datetimeFigureOut">
               <a:rPr lang="en-US" smtClean="0"/>
-              <a:t>9/28/2022</a:t>
+              <a:t>10/20/2022</a:t>
             </a:fld>
             <a:endParaRPr lang="en-US"/>
           </a:p>
@@ -4690,7 +4715,7 @@
           <a:p>
             <a:fld id="{846CE7D5-CF57-46EF-B807-FDD0502418D4}" type="datetimeFigureOut">
               <a:rPr lang="en-US" smtClean="0"/>
-              <a:t>9/28/2022</a:t>
+              <a:t>10/20/2022</a:t>
             </a:fld>
             <a:endParaRPr lang="en-US"/>
           </a:p>
@@ -4967,7 +4992,7 @@
           <a:p>
             <a:fld id="{846CE7D5-CF57-46EF-B807-FDD0502418D4}" type="datetimeFigureOut">
               <a:rPr lang="en-US" smtClean="0"/>
-              <a:t>9/28/2022</a:t>
+              <a:t>10/20/2022</a:t>
             </a:fld>
             <a:endParaRPr lang="en-US"/>
           </a:p>
@@ -5224,7 +5249,7 @@
           <a:p>
             <a:fld id="{846CE7D5-CF57-46EF-B807-FDD0502418D4}" type="datetimeFigureOut">
               <a:rPr lang="en-US" smtClean="0"/>
-              <a:t>9/28/2022</a:t>
+              <a:t>10/20/2022</a:t>
             </a:fld>
             <a:endParaRPr lang="en-US"/>
           </a:p>
@@ -5437,7 +5462,7 @@
           <a:p>
             <a:fld id="{846CE7D5-CF57-46EF-B807-FDD0502418D4}" type="datetimeFigureOut">
               <a:rPr lang="en-US" smtClean="0"/>
-              <a:t>9/28/2022</a:t>
+              <a:t>10/20/2022</a:t>
             </a:fld>
             <a:endParaRPr lang="en-US"/>
           </a:p>
@@ -5995,7 +6020,7 @@
           <a:p>
             <a:fld id="{E08466A4-FDA0-4AFB-B05A-C40CE52B08F9}" type="datetimeFigureOut">
               <a:rPr lang="en-NZ" smtClean="0"/>
-              <a:t>28/09/2022</a:t>
+              <a:t>20/10/2022</a:t>
             </a:fld>
             <a:endParaRPr lang="en-NZ"/>
           </a:p>
@@ -6850,7 +6875,29 @@
             <a:pPr marL="0" indent="0">
               <a:buNone/>
             </a:pPr>
-            <a:endParaRPr lang="en-NZ" sz="1200" dirty="0"/>
+            <a:r>
+              <a:rPr lang="en-NZ" sz="1200" dirty="0">
+                <a:cs typeface="Calibri"/>
+              </a:rPr>
+              <a:t>Since its been a while since we got Alek to play our game to experience the new enemy ai and wander state. He told us it was a major improvement over the last system, where the enemy would </a:t>
+            </a:r>
+            <a:r>
+              <a:rPr lang="en-NZ" sz="1200">
+                <a:cs typeface="Calibri"/>
+              </a:rPr>
+              <a:t>follow the player at all times, now it would only chase the player when it had direct line of sight, and will wander in random directions when it does not have LOS.</a:t>
+            </a:r>
+            <a:endParaRPr lang="en-NZ" sz="1200" dirty="0">
+              <a:cs typeface="Calibri"/>
+            </a:endParaRPr>
+          </a:p>
+          <a:p>
+            <a:pPr marL="0" indent="0">
+              <a:buNone/>
+            </a:pPr>
+            <a:endParaRPr lang="en-NZ" sz="1200" dirty="0">
+              <a:cs typeface="Calibri"/>
+            </a:endParaRPr>
           </a:p>
         </p:txBody>
       </p:sp>
